--- a/linear_regression_presentation.pptx
+++ b/linear_regression_presentation.pptx
@@ -291,7 +291,7 @@
           <a:p>
             <a:fld id="{00599D29-C572-45D7-BF7A-6CBB384632A5}" type="datetimeFigureOut">
               <a:rPr lang="fr-FR" smtClean="0"/>
-              <a:t>22/09/2025</a:t>
+              <a:t>29/09/2025</a:t>
             </a:fld>
             <a:endParaRPr lang="fr-FR"/>
           </a:p>
@@ -461,7 +461,7 @@
           <a:p>
             <a:fld id="{00599D29-C572-45D7-BF7A-6CBB384632A5}" type="datetimeFigureOut">
               <a:rPr lang="fr-FR" smtClean="0"/>
-              <a:t>22/09/2025</a:t>
+              <a:t>29/09/2025</a:t>
             </a:fld>
             <a:endParaRPr lang="fr-FR"/>
           </a:p>
@@ -641,7 +641,7 @@
           <a:p>
             <a:fld id="{00599D29-C572-45D7-BF7A-6CBB384632A5}" type="datetimeFigureOut">
               <a:rPr lang="fr-FR" smtClean="0"/>
-              <a:t>22/09/2025</a:t>
+              <a:t>29/09/2025</a:t>
             </a:fld>
             <a:endParaRPr lang="fr-FR"/>
           </a:p>
@@ -811,7 +811,7 @@
           <a:p>
             <a:fld id="{00599D29-C572-45D7-BF7A-6CBB384632A5}" type="datetimeFigureOut">
               <a:rPr lang="fr-FR" smtClean="0"/>
-              <a:t>22/09/2025</a:t>
+              <a:t>29/09/2025</a:t>
             </a:fld>
             <a:endParaRPr lang="fr-FR"/>
           </a:p>
@@ -1057,7 +1057,7 @@
           <a:p>
             <a:fld id="{00599D29-C572-45D7-BF7A-6CBB384632A5}" type="datetimeFigureOut">
               <a:rPr lang="fr-FR" smtClean="0"/>
-              <a:t>22/09/2025</a:t>
+              <a:t>29/09/2025</a:t>
             </a:fld>
             <a:endParaRPr lang="fr-FR"/>
           </a:p>
@@ -1289,7 +1289,7 @@
           <a:p>
             <a:fld id="{00599D29-C572-45D7-BF7A-6CBB384632A5}" type="datetimeFigureOut">
               <a:rPr lang="fr-FR" smtClean="0"/>
-              <a:t>22/09/2025</a:t>
+              <a:t>29/09/2025</a:t>
             </a:fld>
             <a:endParaRPr lang="fr-FR"/>
           </a:p>
@@ -1656,7 +1656,7 @@
           <a:p>
             <a:fld id="{00599D29-C572-45D7-BF7A-6CBB384632A5}" type="datetimeFigureOut">
               <a:rPr lang="fr-FR" smtClean="0"/>
-              <a:t>22/09/2025</a:t>
+              <a:t>29/09/2025</a:t>
             </a:fld>
             <a:endParaRPr lang="fr-FR"/>
           </a:p>
@@ -1774,7 +1774,7 @@
           <a:p>
             <a:fld id="{00599D29-C572-45D7-BF7A-6CBB384632A5}" type="datetimeFigureOut">
               <a:rPr lang="fr-FR" smtClean="0"/>
-              <a:t>22/09/2025</a:t>
+              <a:t>29/09/2025</a:t>
             </a:fld>
             <a:endParaRPr lang="fr-FR"/>
           </a:p>
@@ -1869,7 +1869,7 @@
           <a:p>
             <a:fld id="{00599D29-C572-45D7-BF7A-6CBB384632A5}" type="datetimeFigureOut">
               <a:rPr lang="fr-FR" smtClean="0"/>
-              <a:t>22/09/2025</a:t>
+              <a:t>29/09/2025</a:t>
             </a:fld>
             <a:endParaRPr lang="fr-FR"/>
           </a:p>
@@ -2146,7 +2146,7 @@
           <a:p>
             <a:fld id="{00599D29-C572-45D7-BF7A-6CBB384632A5}" type="datetimeFigureOut">
               <a:rPr lang="fr-FR" smtClean="0"/>
-              <a:t>22/09/2025</a:t>
+              <a:t>29/09/2025</a:t>
             </a:fld>
             <a:endParaRPr lang="fr-FR"/>
           </a:p>
@@ -2403,7 +2403,7 @@
           <a:p>
             <a:fld id="{00599D29-C572-45D7-BF7A-6CBB384632A5}" type="datetimeFigureOut">
               <a:rPr lang="fr-FR" smtClean="0"/>
-              <a:t>22/09/2025</a:t>
+              <a:t>29/09/2025</a:t>
             </a:fld>
             <a:endParaRPr lang="fr-FR"/>
           </a:p>
@@ -2616,7 +2616,7 @@
           <a:p>
             <a:fld id="{00599D29-C572-45D7-BF7A-6CBB384632A5}" type="datetimeFigureOut">
               <a:rPr lang="fr-FR" smtClean="0"/>
-              <a:t>22/09/2025</a:t>
+              <a:t>29/09/2025</a:t>
             </a:fld>
             <a:endParaRPr lang="fr-FR"/>
           </a:p>
@@ -11491,8 +11491,8 @@
           </a:p>
         </p:txBody>
       </p:sp>
-      <mc:AlternateContent xmlns:mc="http://schemas.openxmlformats.org/markup-compatibility/2006">
-        <mc:Choice xmlns:a14="http://schemas.microsoft.com/office/drawing/2010/main" Requires="a14">
+      <mc:AlternateContent xmlns:mc="http://schemas.openxmlformats.org/markup-compatibility/2006" xmlns:a14="http://schemas.microsoft.com/office/drawing/2010/main">
+        <mc:Choice Requires="a14">
           <p:sp>
             <p:nvSpPr>
               <p:cNvPr id="3" name="Espace réservé du contenu 2">
@@ -11917,13 +11917,7 @@
                           <a:rPr lang="fr-FR" sz="1600" b="0" i="1" smtClean="0">
                             <a:latin typeface="Cambria Math" panose="02040503050406030204" pitchFamily="18" charset="0"/>
                           </a:rPr>
-                          <m:t>2</m:t>
-                        </m:r>
-                        <m:r>
-                          <a:rPr lang="fr-FR" sz="1600" b="0" i="1" smtClean="0">
-                            <a:latin typeface="Cambria Math" panose="02040503050406030204" pitchFamily="18" charset="0"/>
-                          </a:rPr>
-                          <m:t> </m:t>
+                          <m:t>2 </m:t>
                         </m:r>
                       </m:sub>
                     </m:sSub>
@@ -12024,7 +12018,7 @@
             </p:txBody>
           </p:sp>
         </mc:Choice>
-        <mc:Fallback>
+        <mc:Fallback xmlns="">
           <p:sp>
             <p:nvSpPr>
               <p:cNvPr id="3" name="Espace réservé du contenu 2">
@@ -12833,8 +12827,8 @@
           </a:p>
         </p:txBody>
       </p:sp>
-      <mc:AlternateContent xmlns:mc="http://schemas.openxmlformats.org/markup-compatibility/2006">
-        <mc:Choice xmlns:a14="http://schemas.microsoft.com/office/drawing/2010/main" Requires="a14">
+      <mc:AlternateContent xmlns:mc="http://schemas.openxmlformats.org/markup-compatibility/2006" xmlns:a14="http://schemas.microsoft.com/office/drawing/2010/main">
+        <mc:Choice Requires="a14">
           <p:sp>
             <p:nvSpPr>
               <p:cNvPr id="3" name="Espace réservé du contenu 2">
@@ -13825,13 +13819,7 @@
                           <a:rPr lang="fr-FR" sz="4800" i="1">
                             <a:latin typeface="Cambria Math" panose="02040503050406030204" pitchFamily="18" charset="0"/>
                           </a:rPr>
-                          <m:t>𝑑</m:t>
-                        </m:r>
-                        <m:r>
-                          <a:rPr lang="fr-FR" sz="4800" i="1">
-                            <a:latin typeface="Cambria Math" panose="02040503050406030204" pitchFamily="18" charset="0"/>
-                          </a:rPr>
-                          <m:t>𝑅𝑆𝑆</m:t>
+                          <m:t>𝑑𝑅𝑆𝑆</m:t>
                         </m:r>
                         <m:r>
                           <a:rPr lang="fr-FR" sz="4800" i="1">
@@ -14746,7 +14734,7 @@
             </p:txBody>
           </p:sp>
         </mc:Choice>
-        <mc:Fallback>
+        <mc:Fallback xmlns="">
           <p:sp>
             <p:nvSpPr>
               <p:cNvPr id="3" name="Espace réservé du contenu 2">
@@ -14901,8 +14889,8 @@
           </a:p>
         </p:txBody>
       </p:sp>
-      <mc:AlternateContent xmlns:mc="http://schemas.openxmlformats.org/markup-compatibility/2006">
-        <mc:Choice xmlns:a14="http://schemas.microsoft.com/office/drawing/2010/main" Requires="a14">
+      <mc:AlternateContent xmlns:mc="http://schemas.openxmlformats.org/markup-compatibility/2006" xmlns:a14="http://schemas.microsoft.com/office/drawing/2010/main">
+        <mc:Choice Requires="a14">
           <p:sp>
             <p:nvSpPr>
               <p:cNvPr id="3" name="Espace réservé du contenu 2">
@@ -15332,7 +15320,7 @@
             </p:txBody>
           </p:sp>
         </mc:Choice>
-        <mc:Fallback>
+        <mc:Fallback xmlns="">
           <p:sp>
             <p:nvSpPr>
               <p:cNvPr id="3" name="Espace réservé du contenu 2">
@@ -15466,8 +15454,8 @@
           </a:p>
         </p:txBody>
       </p:sp>
-      <mc:AlternateContent xmlns:mc="http://schemas.openxmlformats.org/markup-compatibility/2006">
-        <mc:Choice xmlns:a14="http://schemas.microsoft.com/office/drawing/2010/main" Requires="a14">
+      <mc:AlternateContent xmlns:mc="http://schemas.openxmlformats.org/markup-compatibility/2006" xmlns:a14="http://schemas.microsoft.com/office/drawing/2010/main">
+        <mc:Choice Requires="a14">
           <p:sp>
             <p:nvSpPr>
               <p:cNvPr id="3" name="Espace réservé du contenu 2">
@@ -16627,13 +16615,7 @@
                                   <a:rPr lang="fr-FR" sz="4800" i="1">
                                     <a:latin typeface="Cambria Math" panose="02040503050406030204" pitchFamily="18" charset="0"/>
                                   </a:rPr>
-                                  <m:t>𝑑</m:t>
-                                </m:r>
-                                <m:r>
-                                  <a:rPr lang="fr-FR" sz="4800" i="1">
-                                    <a:latin typeface="Cambria Math" panose="02040503050406030204" pitchFamily="18" charset="0"/>
-                                  </a:rPr>
-                                  <m:t>𝑅𝑆𝑆</m:t>
+                                  <m:t>𝑑𝑅𝑆𝑆</m:t>
                                 </m:r>
                               </m:num>
                               <m:den>
@@ -16680,7 +16662,7 @@
                               <a:rPr lang="fr-FR" sz="4800" b="0" i="0" smtClean="0">
                                 <a:latin typeface="Cambria Math" panose="02040503050406030204" pitchFamily="18" charset="0"/>
                               </a:rPr>
-                              <m:t>-</m:t>
+                              <m:t>−</m:t>
                             </m:r>
                             <m:r>
                               <m:rPr>
@@ -16857,7 +16839,14 @@
                                 <m:nor/>
                               </m:rPr>
                               <a:rPr lang="fr-FR" sz="4800" b="0" i="0" dirty="0" smtClean="0"/>
-                              <m:t>  [-</m:t>
+                              <m:t>  [</m:t>
+                            </m:r>
+                            <m:r>
+                              <m:rPr>
+                                <m:nor/>
+                              </m:rPr>
+                              <a:rPr lang="fr-FR" sz="4800" b="0" i="0" dirty="0" smtClean="0"/>
+                              <m:t>−</m:t>
                             </m:r>
                             <m:r>
                               <m:rPr>
@@ -16871,7 +16860,14 @@
                                 <m:nor/>
                               </m:rPr>
                               <a:rPr lang="fr-FR" sz="4800" b="0" i="0" dirty="0" smtClean="0"/>
-                              <m:t>] **</m:t>
+                              <m:t>] </m:t>
+                            </m:r>
+                            <m:r>
+                              <m:rPr>
+                                <m:nor/>
+                              </m:rPr>
+                              <a:rPr lang="fr-FR" sz="4800" b="0" i="0" dirty="0" smtClean="0"/>
+                              <m:t>∗∗</m:t>
                             </m:r>
                           </m:e>
                         </m:eqArr>
@@ -16984,7 +16980,9 @@
                       <m:t>λ</m:t>
                     </m:r>
                     <m:r>
-                      <a:rPr lang="el-GR" sz="6000" i="1" dirty="0"/>
+                      <a:rPr lang="el-GR" sz="6000" i="1" dirty="0">
+                        <a:latin typeface="Cambria Math" panose="02040503050406030204" pitchFamily="18" charset="0"/>
+                      </a:rPr>
                       <m:t> </m:t>
                     </m:r>
                   </m:oMath>
@@ -17169,7 +17167,7 @@
             </p:txBody>
           </p:sp>
         </mc:Choice>
-        <mc:Fallback>
+        <mc:Fallback xmlns="">
           <p:sp>
             <p:nvSpPr>
               <p:cNvPr id="3" name="Espace réservé du contenu 2">
@@ -17325,8 +17323,8 @@
           <a:chExt cx="0" cy="0"/>
         </a:xfrm>
       </p:grpSpPr>
-      <mc:AlternateContent xmlns:mc="http://schemas.openxmlformats.org/markup-compatibility/2006" xmlns:a14="http://schemas.microsoft.com/office/drawing/2010/main">
-        <mc:Choice Requires="a14">
+      <mc:AlternateContent xmlns:mc="http://schemas.openxmlformats.org/markup-compatibility/2006">
+        <mc:Choice xmlns:a14="http://schemas.microsoft.com/office/drawing/2010/main" Requires="a14">
           <p:sp>
             <p:nvSpPr>
               <p:cNvPr id="3" name="Espace réservé du contenu 2">
@@ -17941,13 +17939,29 @@
                 </a:r>
                 <a:r>
                   <a:rPr lang="fr-FR" sz="1600" dirty="0"/>
-                  <a:t> (least squares) </a:t>
-                </a:r>
-                <a:r>
-                  <a:rPr lang="fr-FR" sz="1600" dirty="0" err="1"/>
+                  <a:t> </a:t>
+                </a:r>
+                <a:r>
+                  <a:rPr lang="fr-FR" sz="1600" dirty="0">
+                    <a:solidFill>
+                      <a:srgbClr val="FF0000"/>
+                    </a:solidFill>
+                  </a:rPr>
+                  <a:t>(least squares) </a:t>
+                </a:r>
+                <a:r>
+                  <a:rPr lang="fr-FR" sz="1600" dirty="0" err="1">
+                    <a:solidFill>
+                      <a:srgbClr val="FF0000"/>
+                    </a:solidFill>
+                  </a:rPr>
                   <a:t>method</a:t>
                 </a:r>
-                <a:endParaRPr lang="fr-FR" sz="1600" dirty="0"/>
+                <a:endParaRPr lang="fr-FR" sz="1600" dirty="0">
+                  <a:solidFill>
+                    <a:srgbClr val="FF0000"/>
+                  </a:solidFill>
+                </a:endParaRPr>
               </a:p>
               <a:p>
                 <a:pPr marL="0" indent="0">
@@ -18464,7 +18478,7 @@
             </p:txBody>
           </p:sp>
         </mc:Choice>
-        <mc:Fallback xmlns="">
+        <mc:Fallback>
           <p:sp>
             <p:nvSpPr>
               <p:cNvPr id="3" name="Espace réservé du contenu 2">
@@ -18617,7 +18631,11 @@
           <a:lstStyle/>
           <a:p>
             <a:r>
-              <a:rPr lang="fr-FR" sz="600" dirty="0" err="1"/>
+              <a:rPr lang="fr-FR" sz="600" dirty="0" err="1">
+                <a:solidFill>
+                  <a:srgbClr val="FF0000"/>
+                </a:solidFill>
+              </a:rPr>
               <a:t>Slope</a:t>
             </a:r>
             <a:r>
@@ -18681,7 +18699,7 @@
         </p:nvSpPr>
         <p:spPr>
           <a:xfrm>
-            <a:off x="4668042" y="1933554"/>
+            <a:off x="4696617" y="1944424"/>
             <a:ext cx="538161" cy="184666"/>
           </a:xfrm>
           <a:prstGeom prst="rect">
@@ -18696,7 +18714,11 @@
           <a:lstStyle/>
           <a:p>
             <a:r>
-              <a:rPr lang="fr-FR" sz="600" dirty="0"/>
+              <a:rPr lang="fr-FR" sz="600" dirty="0">
+                <a:solidFill>
+                  <a:srgbClr val="FF0000"/>
+                </a:solidFill>
+              </a:rPr>
               <a:t>Intercept</a:t>
             </a:r>
           </a:p>
@@ -18906,8 +18928,8 @@
         </p:blipFill>
         <p:spPr>
           <a:xfrm>
-            <a:off x="7434664" y="4284880"/>
-            <a:ext cx="4204886" cy="2238100"/>
+            <a:off x="7918966" y="4542656"/>
+            <a:ext cx="3720583" cy="1980324"/>
           </a:xfrm>
           <a:prstGeom prst="rect">
             <a:avLst/>
@@ -19071,8 +19093,8 @@
           </a:p>
         </p:txBody>
       </p:sp>
-      <mc:AlternateContent xmlns:mc="http://schemas.openxmlformats.org/markup-compatibility/2006">
-        <mc:Choice xmlns:a14="http://schemas.microsoft.com/office/drawing/2010/main" Requires="a14">
+      <mc:AlternateContent xmlns:mc="http://schemas.openxmlformats.org/markup-compatibility/2006" xmlns:a14="http://schemas.microsoft.com/office/drawing/2010/main">
+        <mc:Choice Requires="a14">
           <p:sp>
             <p:nvSpPr>
               <p:cNvPr id="3" name="Espace réservé du contenu 2">
@@ -20561,7 +20583,7 @@
             </p:txBody>
           </p:sp>
         </mc:Choice>
-        <mc:Fallback>
+        <mc:Fallback xmlns="">
           <p:sp>
             <p:nvSpPr>
               <p:cNvPr id="3" name="Espace réservé du contenu 2">
@@ -20753,8 +20775,8 @@
           </a:p>
         </p:txBody>
       </p:sp>
-      <mc:AlternateContent xmlns:mc="http://schemas.openxmlformats.org/markup-compatibility/2006" xmlns:a14="http://schemas.microsoft.com/office/drawing/2010/main">
-        <mc:Choice Requires="a14">
+      <mc:AlternateContent xmlns:mc="http://schemas.openxmlformats.org/markup-compatibility/2006">
+        <mc:Choice xmlns:a14="http://schemas.microsoft.com/office/drawing/2010/main" Requires="a14">
           <p:sp>
             <p:nvSpPr>
               <p:cNvPr id="3" name="Espace réservé du contenu 2">
@@ -20919,7 +20941,10 @@
                     <m:sSub>
                       <m:sSubPr>
                         <m:ctrlPr>
-                          <a:rPr lang="fr-FR" sz="1600" i="1" dirty="0">
+                          <a:rPr lang="fr-FR" sz="1600" i="1" dirty="0" smtClean="0">
+                            <a:solidFill>
+                              <a:srgbClr val="FF0000"/>
+                            </a:solidFill>
                             <a:latin typeface="Cambria Math" panose="02040503050406030204" pitchFamily="18" charset="0"/>
                           </a:rPr>
                         </m:ctrlPr>
@@ -20930,6 +20955,9 @@
                             <m:sty m:val="p"/>
                           </m:rPr>
                           <a:rPr lang="el-GR" sz="1600" i="1" dirty="0">
+                            <a:solidFill>
+                              <a:srgbClr val="FF0000"/>
+                            </a:solidFill>
                             <a:latin typeface="Cambria Math" panose="02040503050406030204" pitchFamily="18" charset="0"/>
                           </a:rPr>
                           <m:t>ϵ</m:t>
@@ -20938,6 +20966,9 @@
                       <m:sub>
                         <m:r>
                           <a:rPr lang="fr-FR" sz="1600" b="0" i="1" dirty="0" smtClean="0">
+                            <a:solidFill>
+                              <a:srgbClr val="FF0000"/>
+                            </a:solidFill>
                             <a:latin typeface="Cambria Math" panose="02040503050406030204" pitchFamily="18" charset="0"/>
                           </a:rPr>
                           <m:t>𝑖</m:t>
@@ -20947,27 +20978,51 @@
                   </m:oMath>
                 </a14:m>
                 <a:r>
-                  <a:rPr lang="fr-FR" sz="1600" dirty="0"/>
+                  <a:rPr lang="fr-FR" sz="1600" dirty="0">
+                    <a:solidFill>
+                      <a:srgbClr val="FF0000"/>
+                    </a:solidFill>
+                  </a:rPr>
                   <a:t> </a:t>
                 </a:r>
                 <a:r>
-                  <a:rPr lang="fr-FR" sz="1600" dirty="0" err="1"/>
+                  <a:rPr lang="fr-FR" sz="1600" dirty="0" err="1">
+                    <a:solidFill>
+                      <a:srgbClr val="FF0000"/>
+                    </a:solidFill>
+                  </a:rPr>
                   <a:t>independant</a:t>
                 </a:r>
                 <a:r>
-                  <a:rPr lang="fr-FR" sz="1600" dirty="0"/>
+                  <a:rPr lang="fr-FR" sz="1600" dirty="0">
+                    <a:solidFill>
+                      <a:srgbClr val="FF0000"/>
+                    </a:solidFill>
+                  </a:rPr>
                   <a:t> of </a:t>
                 </a:r>
                 <a:r>
-                  <a:rPr lang="fr-FR" sz="1600" dirty="0" err="1"/>
+                  <a:rPr lang="fr-FR" sz="1600" dirty="0" err="1">
+                    <a:solidFill>
+                      <a:srgbClr val="FF0000"/>
+                    </a:solidFill>
+                  </a:rPr>
                   <a:t>each</a:t>
                 </a:r>
                 <a:r>
-                  <a:rPr lang="fr-FR" sz="1600" dirty="0"/>
+                  <a:rPr lang="fr-FR" sz="1600" dirty="0">
+                    <a:solidFill>
+                      <a:srgbClr val="FF0000"/>
+                    </a:solidFill>
+                  </a:rPr>
                   <a:t> </a:t>
                 </a:r>
                 <a:r>
-                  <a:rPr lang="fr-FR" sz="1600" dirty="0" err="1"/>
+                  <a:rPr lang="fr-FR" sz="1600" dirty="0" err="1">
+                    <a:solidFill>
+                      <a:srgbClr val="FF0000"/>
+                    </a:solidFill>
+                  </a:rPr>
                   <a:t>other</a:t>
                 </a:r>
                 <a:endParaRPr lang="fr-FR" sz="1600" dirty="0"/>
@@ -21219,7 +21274,7 @@
             </p:txBody>
           </p:sp>
         </mc:Choice>
-        <mc:Fallback xmlns="">
+        <mc:Fallback>
           <p:sp>
             <p:nvSpPr>
               <p:cNvPr id="3" name="Espace réservé du contenu 2">
@@ -21418,8 +21473,8 @@
           </a:p>
         </p:txBody>
       </p:sp>
-      <mc:AlternateContent xmlns:mc="http://schemas.openxmlformats.org/markup-compatibility/2006" xmlns:a14="http://schemas.microsoft.com/office/drawing/2010/main">
-        <mc:Choice Requires="a14">
+      <mc:AlternateContent xmlns:mc="http://schemas.openxmlformats.org/markup-compatibility/2006">
+        <mc:Choice xmlns:a14="http://schemas.microsoft.com/office/drawing/2010/main" Requires="a14">
           <p:sp>
             <p:nvSpPr>
               <p:cNvPr id="3" name="Espace réservé du contenu 2">
@@ -21872,6 +21927,12 @@
                       </a:rPr>
                       <m:t>by</m:t>
                     </m:r>
+                    <m:r>
+                      <a:rPr lang="fr-FR" sz="1600" b="0" i="0" smtClean="0">
+                        <a:latin typeface="Cambria Math" panose="02040503050406030204" pitchFamily="18" charset="0"/>
+                      </a:rPr>
+                      <m:t>  </m:t>
+                    </m:r>
                     <m:acc>
                       <m:accPr>
                         <m:chr m:val="̂"/>
@@ -22057,7 +22118,7 @@
                 </a14:m>
                 <a:r>
                   <a:rPr lang="en-US" sz="1600" dirty="0"/>
-                  <a:t>are linear combinations of random variables. They therefore inherit a normal distribution (under the assumption of normally distributed errors), with a finite variance that can be calculated. This is why their confidence intervals have exactly the same form as those of the mean.</a:t>
+                  <a:t>are linear combinations of random normal variables. They therefore inherit a normal distribution (under the assumption of normally distributed errors), with a finite variance that can be calculated. This is why their confidence intervals have exactly the same form as those of the mean.</a:t>
                 </a:r>
                 <a:endParaRPr lang="fr-FR" sz="1600" dirty="0"/>
               </a:p>
@@ -22067,7 +22128,7 @@
             </p:txBody>
           </p:sp>
         </mc:Choice>
-        <mc:Fallback xmlns="">
+        <mc:Fallback>
           <p:sp>
             <p:nvSpPr>
               <p:cNvPr id="3" name="Espace réservé du contenu 2">
@@ -22092,7 +22153,7 @@
               <a:blipFill>
                 <a:blip r:embed="rId2"/>
                 <a:stretch>
-                  <a:fillRect l="-348" r="-290"/>
+                  <a:fillRect l="-348" r="-754"/>
                 </a:stretch>
               </a:blipFill>
             </p:spPr>
@@ -22970,7 +23031,7 @@
                             <a:buNone/>
                           </a:pPr>
                           <a:r>
-                            <a:rPr lang="fr-FR" sz="1400">
+                            <a:rPr lang="fr-FR" sz="1400" dirty="0">
                               <a:latin typeface="+mn-lt"/>
                             </a:rPr>
                             <a:t>165.5</a:t>
@@ -25400,8 +25461,8 @@
           </a:p>
         </p:txBody>
       </p:sp>
-      <mc:AlternateContent xmlns:mc="http://schemas.openxmlformats.org/markup-compatibility/2006" xmlns:a14="http://schemas.microsoft.com/office/drawing/2010/main">
-        <mc:Choice Requires="a14">
+      <mc:AlternateContent xmlns:mc="http://schemas.openxmlformats.org/markup-compatibility/2006">
+        <mc:Choice xmlns:a14="http://schemas.microsoft.com/office/drawing/2010/main" Requires="a14">
           <p:sp>
             <p:nvSpPr>
               <p:cNvPr id="3" name="Espace réservé du contenu 2">
@@ -25614,7 +25675,7 @@
                 </a:r>
                 <a:r>
                   <a:rPr lang="fr-FR" sz="1800" dirty="0"/>
-                  <a:t> no </a:t>
+                  <a:t>  </a:t>
                 </a:r>
                 <a:r>
                   <a:rPr lang="fr-FR" sz="1800" dirty="0" err="1"/>
@@ -25941,7 +26002,7 @@
             </p:txBody>
           </p:sp>
         </mc:Choice>
-        <mc:Fallback xmlns="">
+        <mc:Fallback>
           <p:sp>
             <p:nvSpPr>
               <p:cNvPr id="3" name="Espace réservé du contenu 2">
